--- a/presentation_generated/presentation_mistral.pptx
+++ b/presentation_generated/presentation_mistral.pptx
@@ -4,6 +4,16 @@
   <p:sldMasterIdLst>
     <p:sldMasterId id="2147483648" r:id="rId1"/>
   </p:sldMasterIdLst>
+  <p:sldIdLst>
+    <p:sldId id="256" r:id="rId7"/>
+    <p:sldId id="257" r:id="rId8"/>
+    <p:sldId id="258" r:id="rId9"/>
+    <p:sldId id="259" r:id="rId10"/>
+    <p:sldId id="260" r:id="rId11"/>
+    <p:sldId id="261" r:id="rId12"/>
+    <p:sldId id="262" r:id="rId13"/>
+    <p:sldId id="263" r:id="rId14"/>
+  </p:sldIdLst>
   <p:sldSz cx="9144000" cy="6858000" type="screen4x3"/>
   <p:notesSz cx="6858000" cy="9144000"/>
   <p:defaultTextStyle>
@@ -3073,6 +3083,536 @@
     </p:otherStyle>
   </p:txStyles>
 </p:sldMaster>
+</file>
+
+<file path=ppt/slides/slide1.xml><?xml version="1.0" encoding="utf-8"?>
+<p:sld xmlns:a="http://schemas.openxmlformats.org/drawingml/2006/main" xmlns:p="http://schemas.openxmlformats.org/presentationml/2006/main" xmlns:r="http://schemas.openxmlformats.org/officeDocument/2006/relationships">
+  <p:cSld>
+    <p:spTree>
+      <p:nvGrpSpPr>
+        <p:cNvPr id="1" name=""/>
+        <p:cNvGrpSpPr/>
+        <p:nvPr/>
+      </p:nvGrpSpPr>
+      <p:grpSpPr/>
+      <p:sp>
+        <p:nvSpPr>
+          <p:cNvPr id="2" name="Title 1"/>
+          <p:cNvSpPr>
+            <a:spLocks noGrp="1"/>
+          </p:cNvSpPr>
+          <p:nvPr>
+            <p:ph type="title"/>
+          </p:nvPr>
+        </p:nvSpPr>
+        <p:spPr/>
+        <p:txBody>
+          <a:bodyPr/>
+          <a:lstStyle/>
+          <a:p>
+            <a:r>
+              <a:t>Introduction to Generalized Category Discovery (GCD) and XCon</a:t>
+            </a:r>
+          </a:p>
+        </p:txBody>
+      </p:sp>
+      <p:sp>
+        <p:nvSpPr>
+          <p:cNvPr id="3" name="Content Placeholder 2"/>
+          <p:cNvSpPr>
+            <a:spLocks noGrp="1"/>
+          </p:cNvSpPr>
+          <p:nvPr>
+            <p:ph idx="1"/>
+          </p:nvPr>
+        </p:nvSpPr>
+        <p:spPr/>
+        <p:txBody>
+          <a:bodyPr/>
+          <a:lstStyle/>
+          <a:p>
+            <a:r>
+              <a:t>- GCD: a practical approach for categorizing unlabeled instances in the absence of knowledge about all classes</a:t>
+            </a:r>
+          </a:p>
+          <a:p>
+            <a:r>
+              <a:t>- XCon: a method for fine-grained GCD using expert datasets and contrastive learning</a:t>
+            </a:r>
+          </a:p>
+        </p:txBody>
+      </p:sp>
+    </p:spTree>
+  </p:cSld>
+  <p:clrMapOvr>
+    <a:masterClrMapping/>
+  </p:clrMapOvr>
+</p:sld>
+</file>
+
+<file path=ppt/slides/slide2.xml><?xml version="1.0" encoding="utf-8"?>
+<p:sld xmlns:a="http://schemas.openxmlformats.org/drawingml/2006/main" xmlns:p="http://schemas.openxmlformats.org/presentationml/2006/main" xmlns:r="http://schemas.openxmlformats.org/officeDocument/2006/relationships">
+  <p:cSld>
+    <p:spTree>
+      <p:nvGrpSpPr>
+        <p:cNvPr id="1" name=""/>
+        <p:cNvGrpSpPr/>
+        <p:nvPr/>
+      </p:nvGrpSpPr>
+      <p:grpSpPr/>
+      <p:sp>
+        <p:nvSpPr>
+          <p:cNvPr id="2" name="Title 1"/>
+          <p:cNvSpPr>
+            <a:spLocks noGrp="1"/>
+          </p:cNvSpPr>
+          <p:nvPr>
+            <p:ph type="title"/>
+          </p:nvPr>
+        </p:nvSpPr>
+        <p:spPr/>
+        <p:txBody>
+          <a:bodyPr/>
+          <a:lstStyle/>
+          <a:p>
+            <a:r>
+              <a:t>Motivation: Challenges in Fine-Grained Category Discovery</a:t>
+            </a:r>
+          </a:p>
+        </p:txBody>
+      </p:sp>
+      <p:sp>
+        <p:nvSpPr>
+          <p:cNvPr id="3" name="Content Placeholder 2"/>
+          <p:cNvSpPr>
+            <a:spLocks noGrp="1"/>
+          </p:cNvSpPr>
+          <p:nvPr>
+            <p:ph idx="1"/>
+          </p:nvPr>
+        </p:nvSpPr>
+        <p:spPr/>
+        <p:txBody>
+          <a:bodyPr/>
+          <a:lstStyle/>
+          <a:p>
+            <a:r>
+              <a:t>- Large inter-class similarities and intra-class variances in fine-grained datasets</a:t>
+            </a:r>
+          </a:p>
+          <a:p>
+            <a:r>
+              <a:t>- Traditional methods often struggle with irrelevant cues, leading to suboptimal performance</a:t>
+            </a:r>
+          </a:p>
+        </p:txBody>
+      </p:sp>
+    </p:spTree>
+  </p:cSld>
+  <p:clrMapOvr>
+    <a:masterClrMapping/>
+  </p:clrMapOvr>
+</p:sld>
+</file>
+
+<file path=ppt/slides/slide3.xml><?xml version="1.0" encoding="utf-8"?>
+<p:sld xmlns:a="http://schemas.openxmlformats.org/drawingml/2006/main" xmlns:p="http://schemas.openxmlformats.org/presentationml/2006/main" xmlns:r="http://schemas.openxmlformats.org/officeDocument/2006/relationships">
+  <p:cSld>
+    <p:spTree>
+      <p:nvGrpSpPr>
+        <p:cNvPr id="1" name=""/>
+        <p:cNvGrpSpPr/>
+        <p:nvPr/>
+      </p:nvGrpSpPr>
+      <p:grpSpPr/>
+      <p:sp>
+        <p:nvSpPr>
+          <p:cNvPr id="2" name="Title 1"/>
+          <p:cNvSpPr>
+            <a:spLocks noGrp="1"/>
+          </p:cNvSpPr>
+          <p:nvPr>
+            <p:ph type="title"/>
+          </p:nvPr>
+        </p:nvSpPr>
+        <p:spPr/>
+        <p:txBody>
+          <a:bodyPr/>
+          <a:lstStyle/>
+          <a:p>
+            <a:r>
+              <a:t>Related Work: Novel Category Discovery (NCD) and Contrastive Learning</a:t>
+            </a:r>
+          </a:p>
+        </p:txBody>
+      </p:sp>
+      <p:sp>
+        <p:nvSpPr>
+          <p:cNvPr id="3" name="Content Placeholder 2"/>
+          <p:cNvSpPr>
+            <a:spLocks noGrp="1"/>
+          </p:cNvSpPr>
+          <p:nvPr>
+            <p:ph idx="1"/>
+          </p:nvPr>
+        </p:nvSpPr>
+        <p:spPr/>
+        <p:txBody>
+          <a:bodyPr/>
+          <a:lstStyle/>
+          <a:p>
+            <a:r>
+              <a:t>- NCD: categorizing unseen classes based on knowledge from seen classes</a:t>
+            </a:r>
+          </a:p>
+          <a:p>
+            <a:r>
+              <a:t>- Transfer learning and self-supervision techniques used in NCD</a:t>
+            </a:r>
+          </a:p>
+          <a:p>
+            <a:r>
+              <a:t>- Limitations of contrastive learning for fine-grained classification</a:t>
+            </a:r>
+          </a:p>
+        </p:txBody>
+      </p:sp>
+    </p:spTree>
+  </p:cSld>
+  <p:clrMapOvr>
+    <a:masterClrMapping/>
+  </p:clrMapOvr>
+</p:sld>
+</file>
+
+<file path=ppt/slides/slide4.xml><?xml version="1.0" encoding="utf-8"?>
+<p:sld xmlns:a="http://schemas.openxmlformats.org/drawingml/2006/main" xmlns:p="http://schemas.openxmlformats.org/presentationml/2006/main" xmlns:r="http://schemas.openxmlformats.org/officeDocument/2006/relationships">
+  <p:cSld>
+    <p:spTree>
+      <p:nvGrpSpPr>
+        <p:cNvPr id="1" name=""/>
+        <p:cNvGrpSpPr/>
+        <p:nvPr/>
+      </p:nvGrpSpPr>
+      <p:grpSpPr/>
+      <p:sp>
+        <p:nvSpPr>
+          <p:cNvPr id="2" name="Title 1"/>
+          <p:cNvSpPr>
+            <a:spLocks noGrp="1"/>
+          </p:cNvSpPr>
+          <p:nvPr>
+            <p:ph type="title"/>
+          </p:nvPr>
+        </p:nvSpPr>
+        <p:spPr/>
+        <p:txBody>
+          <a:bodyPr/>
+          <a:lstStyle/>
+          <a:p>
+            <a:r>
+              <a:t>Methodology: XCon's Approach to Fine-Grained Category Discovery</a:t>
+            </a:r>
+          </a:p>
+        </p:txBody>
+      </p:sp>
+      <p:sp>
+        <p:nvSpPr>
+          <p:cNvPr id="3" name="Content Placeholder 2"/>
+          <p:cNvSpPr>
+            <a:spLocks noGrp="1"/>
+          </p:cNvSpPr>
+          <p:nvPr>
+            <p:ph idx="1"/>
+          </p:nvPr>
+        </p:nvSpPr>
+        <p:spPr/>
+        <p:txBody>
+          <a:bodyPr/>
+          <a:lstStyle/>
+          <a:p>
+            <a:r>
+              <a:t>- Partitioning dataset into expert datasets using k-means clustering on self-supervised representations</a:t>
+            </a:r>
+          </a:p>
+          <a:p>
+            <a:r>
+              <a:t>- Learning from both coarse-grained and fine-grained features through supervised and unsupervised contrastive learning</a:t>
+            </a:r>
+          </a:p>
+        </p:txBody>
+      </p:sp>
+    </p:spTree>
+  </p:cSld>
+  <p:clrMapOvr>
+    <a:masterClrMapping/>
+  </p:clrMapOvr>
+</p:sld>
+</file>
+
+<file path=ppt/slides/slide5.xml><?xml version="1.0" encoding="utf-8"?>
+<p:sld xmlns:a="http://schemas.openxmlformats.org/drawingml/2006/main" xmlns:p="http://schemas.openxmlformats.org/presentationml/2006/main" xmlns:r="http://schemas.openxmlformats.org/officeDocument/2006/relationships">
+  <p:cSld>
+    <p:spTree>
+      <p:nvGrpSpPr>
+        <p:cNvPr id="1" name=""/>
+        <p:cNvGrpSpPr/>
+        <p:nvPr/>
+      </p:nvGrpSpPr>
+      <p:grpSpPr/>
+      <p:sp>
+        <p:nvSpPr>
+          <p:cNvPr id="2" name="Title 1"/>
+          <p:cNvSpPr>
+            <a:spLocks noGrp="1"/>
+          </p:cNvSpPr>
+          <p:nvPr>
+            <p:ph type="title"/>
+          </p:nvPr>
+        </p:nvSpPr>
+        <p:spPr/>
+        <p:txBody>
+          <a:bodyPr/>
+          <a:lstStyle/>
+          <a:p>
+            <a:r>
+              <a:t>Experiments and Results: State-of-the-Art Performance on Various Datasets</a:t>
+            </a:r>
+          </a:p>
+        </p:txBody>
+      </p:sp>
+      <p:sp>
+        <p:nvSpPr>
+          <p:cNvPr id="3" name="Content Placeholder 2"/>
+          <p:cNvSpPr>
+            <a:spLocks noGrp="1"/>
+          </p:cNvSpPr>
+          <p:nvPr>
+            <p:ph idx="1"/>
+          </p:nvPr>
+        </p:nvSpPr>
+        <p:spPr/>
+        <p:txBody>
+          <a:bodyPr/>
+          <a:lstStyle/>
+          <a:p>
+            <a:r>
+              <a:t>- CIFAR-10/100, ImageNet-100, CUB-200, Stanford Cars, FGVC-Aircraft, Oxford-IIIT Pet</a:t>
+            </a:r>
+          </a:p>
+          <a:p>
+            <a:r>
+              <a:t>- Achieved state-of-the-art performance on several fine-grained category discovery benchmarks</a:t>
+            </a:r>
+          </a:p>
+        </p:txBody>
+      </p:sp>
+    </p:spTree>
+  </p:cSld>
+  <p:clrMapOvr>
+    <a:masterClrMapping/>
+  </p:clrMapOvr>
+</p:sld>
+</file>
+
+<file path=ppt/slides/slide6.xml><?xml version="1.0" encoding="utf-8"?>
+<p:sld xmlns:a="http://schemas.openxmlformats.org/drawingml/2006/main" xmlns:p="http://schemas.openxmlformats.org/presentationml/2006/main" xmlns:r="http://schemas.openxmlformats.org/officeDocument/2006/relationships">
+  <p:cSld>
+    <p:spTree>
+      <p:nvGrpSpPr>
+        <p:cNvPr id="1" name=""/>
+        <p:cNvGrpSpPr/>
+        <p:nvPr/>
+      </p:nvGrpSpPr>
+      <p:grpSpPr/>
+      <p:sp>
+        <p:nvSpPr>
+          <p:cNvPr id="2" name="Title 1"/>
+          <p:cNvSpPr>
+            <a:spLocks noGrp="1"/>
+          </p:cNvSpPr>
+          <p:nvPr>
+            <p:ph type="title"/>
+          </p:nvPr>
+        </p:nvSpPr>
+        <p:spPr/>
+        <p:txBody>
+          <a:bodyPr/>
+          <a:lstStyle/>
+          <a:p>
+            <a:r>
+              <a:t>Implementation Details: Model Architecture and Training</a:t>
+            </a:r>
+          </a:p>
+        </p:txBody>
+      </p:sp>
+      <p:sp>
+        <p:nvSpPr>
+          <p:cNvPr id="3" name="Content Placeholder 2"/>
+          <p:cNvSpPr>
+            <a:spLocks noGrp="1"/>
+          </p:cNvSpPr>
+          <p:nvPr>
+            <p:ph idx="1"/>
+          </p:nvPr>
+        </p:nvSpPr>
+        <p:spPr/>
+        <p:txBody>
+          <a:bodyPr/>
+          <a:lstStyle/>
+          <a:p>
+            <a:r>
+              <a:t>- ViT-B-16 model initialized with DINO-pretrained parameters</a:t>
+            </a:r>
+          </a:p>
+          <a:p>
+            <a:r>
+              <a:t>- Fine-tuning final transformer block</a:t>
+            </a:r>
+          </a:p>
+          <a:p>
+            <a:r>
+              <a:t>- Combination of supervised and unsupervised contrastive losses</a:t>
+            </a:r>
+          </a:p>
+        </p:txBody>
+      </p:sp>
+    </p:spTree>
+  </p:cSld>
+  <p:clrMapOvr>
+    <a:masterClrMapping/>
+  </p:clrMapOvr>
+</p:sld>
+</file>
+
+<file path=ppt/slides/slide7.xml><?xml version="1.0" encoding="utf-8"?>
+<p:sld xmlns:a="http://schemas.openxmlformats.org/drawingml/2006/main" xmlns:p="http://schemas.openxmlformats.org/presentationml/2006/main" xmlns:r="http://schemas.openxmlformats.org/officeDocument/2006/relationships">
+  <p:cSld>
+    <p:spTree>
+      <p:nvGrpSpPr>
+        <p:cNvPr id="1" name=""/>
+        <p:cNvGrpSpPr/>
+        <p:nvPr/>
+      </p:nvGrpSpPr>
+      <p:grpSpPr/>
+      <p:sp>
+        <p:nvSpPr>
+          <p:cNvPr id="2" name="Title 1"/>
+          <p:cNvSpPr>
+            <a:spLocks noGrp="1"/>
+          </p:cNvSpPr>
+          <p:nvPr>
+            <p:ph type="title"/>
+          </p:nvPr>
+        </p:nvSpPr>
+        <p:spPr/>
+        <p:txBody>
+          <a:bodyPr/>
+          <a:lstStyle/>
+          <a:p>
+            <a:r>
+              <a:t>Ablation Studies: Validating XCon's Effectiveness</a:t>
+            </a:r>
+          </a:p>
+        </p:txBody>
+      </p:sp>
+      <p:sp>
+        <p:nvSpPr>
+          <p:cNvPr id="3" name="Content Placeholder 2"/>
+          <p:cNvSpPr>
+            <a:spLocks noGrp="1"/>
+          </p:cNvSpPr>
+          <p:nvPr>
+            <p:ph idx="1"/>
+          </p:nvPr>
+        </p:nvSpPr>
+        <p:spPr/>
+        <p:txBody>
+          <a:bodyPr/>
+          <a:lstStyle/>
+          <a:p>
+            <a:r>
+              <a:t>- Impact of fine-grained loss weight and number of sub-datasets on performance</a:t>
+            </a:r>
+          </a:p>
+          <a:p>
+            <a:r>
+              <a:t>- Robustness of XCon across different configurations</a:t>
+            </a:r>
+          </a:p>
+        </p:txBody>
+      </p:sp>
+    </p:spTree>
+  </p:cSld>
+  <p:clrMapOvr>
+    <a:masterClrMapping/>
+  </p:clrMapOvr>
+</p:sld>
+</file>
+
+<file path=ppt/slides/slide8.xml><?xml version="1.0" encoding="utf-8"?>
+<p:sld xmlns:a="http://schemas.openxmlformats.org/drawingml/2006/main" xmlns:p="http://schemas.openxmlformats.org/presentationml/2006/main" xmlns:r="http://schemas.openxmlformats.org/officeDocument/2006/relationships">
+  <p:cSld>
+    <p:spTree>
+      <p:nvGrpSpPr>
+        <p:cNvPr id="1" name=""/>
+        <p:cNvGrpSpPr/>
+        <p:nvPr/>
+      </p:nvGrpSpPr>
+      <p:grpSpPr/>
+      <p:sp>
+        <p:nvSpPr>
+          <p:cNvPr id="2" name="Title 1"/>
+          <p:cNvSpPr>
+            <a:spLocks noGrp="1"/>
+          </p:cNvSpPr>
+          <p:nvPr>
+            <p:ph type="title"/>
+          </p:nvPr>
+        </p:nvSpPr>
+        <p:spPr/>
+        <p:txBody>
+          <a:bodyPr/>
+          <a:lstStyle/>
+          <a:p>
+            <a:r>
+              <a:t>Conclusion: Significant Advancement in Fine-Grained Category Discovery</a:t>
+            </a:r>
+          </a:p>
+        </p:txBody>
+      </p:sp>
+      <p:sp>
+        <p:nvSpPr>
+          <p:cNvPr id="3" name="Content Placeholder 2"/>
+          <p:cNvSpPr>
+            <a:spLocks noGrp="1"/>
+          </p:cNvSpPr>
+          <p:nvPr>
+            <p:ph idx="1"/>
+          </p:nvPr>
+        </p:nvSpPr>
+        <p:spPr/>
+        <p:txBody>
+          <a:bodyPr/>
+          <a:lstStyle/>
+          <a:p>
+            <a:r>
+              <a:t>- XCon's success on various benchmarks marks a significant advancement in the field</a:t>
+            </a:r>
+          </a:p>
+          <a:p>
+            <a:r>
+              <a:t>- Encourages further exploration and adaptation within the research community.</a:t>
+            </a:r>
+          </a:p>
+        </p:txBody>
+      </p:sp>
+    </p:spTree>
+  </p:cSld>
+  <p:clrMapOvr>
+    <a:masterClrMapping/>
+  </p:clrMapOvr>
+</p:sld>
 </file>
 
 <file path=ppt/theme/theme1.xml><?xml version="1.0" encoding="utf-8"?>
